--- a/doc/Presentación AWITEN FESTS.pptx
+++ b/doc/Presentación AWITEN FESTS.pptx
@@ -24794,8 +24794,8 @@
                 <a:solidFill>
                   <a:srgbClr val="008000"/>
                 </a:solidFill>
-                <a:latin typeface="Times New Roman" panose="02020603050405020304" pitchFamily="18" charset="0"/>
-                <a:cs typeface="Times New Roman" panose="02020603050405020304" pitchFamily="18" charset="0"/>
+                <a:latin typeface="Sans-serif"/>
+                <a:cs typeface="Arial" panose="020B0604020202020204" pitchFamily="34" charset="0"/>
               </a:rPr>
               <a:t>AWITEN</a:t>
             </a:r>
@@ -24807,8 +24807,8 @@
                     <a:lumOff val="25000"/>
                   </a:schemeClr>
                 </a:solidFill>
-                <a:latin typeface="Times New Roman" panose="02020603050405020304" pitchFamily="18" charset="0"/>
-                <a:cs typeface="Times New Roman" panose="02020603050405020304" pitchFamily="18" charset="0"/>
+                <a:latin typeface="Sans-serif"/>
+                <a:cs typeface="Arial" panose="020B0604020202020204" pitchFamily="34" charset="0"/>
               </a:rPr>
               <a:t> </a:t>
             </a:r>
@@ -24817,8 +24817,8 @@
                 <a:solidFill>
                   <a:srgbClr val="F8F8F8"/>
                 </a:solidFill>
-                <a:latin typeface="Times New Roman" panose="02020603050405020304" pitchFamily="18" charset="0"/>
-                <a:cs typeface="Times New Roman" panose="02020603050405020304" pitchFamily="18" charset="0"/>
+                <a:latin typeface="Sans-serif"/>
+                <a:cs typeface="Arial" panose="020B0604020202020204" pitchFamily="34" charset="0"/>
               </a:rPr>
               <a:t>FESTS</a:t>
             </a:r>
@@ -24826,8 +24826,8 @@
               <a:solidFill>
                 <a:srgbClr val="F8F8F8"/>
               </a:solidFill>
-              <a:latin typeface="Times New Roman" panose="02020603050405020304" pitchFamily="18" charset="0"/>
-              <a:cs typeface="Times New Roman" panose="02020603050405020304" pitchFamily="18" charset="0"/>
+              <a:latin typeface="Sans-serif"/>
+              <a:cs typeface="Arial" panose="020B0604020202020204" pitchFamily="34" charset="0"/>
             </a:endParaRPr>
           </a:p>
         </p:txBody>
@@ -24850,7 +24850,7 @@
         </p:spPr>
         <p:txBody>
           <a:bodyPr>
-            <a:normAutofit fontScale="92500" lnSpcReduction="10000"/>
+            <a:normAutofit fontScale="85000" lnSpcReduction="10000"/>
           </a:bodyPr>
           <a:lstStyle/>
           <a:p>
@@ -24859,7 +24859,7 @@
                 <a:solidFill>
                   <a:srgbClr val="F8F8F8"/>
                 </a:solidFill>
-                <a:latin typeface="Times New Roman" panose="02020603050405020304" pitchFamily="18" charset="0"/>
+                <a:latin typeface="Sans-serif"/>
                 <a:cs typeface="Times New Roman" panose="02020603050405020304" pitchFamily="18" charset="0"/>
               </a:rPr>
               <a:t>Plataforma web que gestiona los mejores festivales de música </a:t>
@@ -24869,7 +24869,7 @@
                 <a:solidFill>
                   <a:srgbClr val="F8F8F8"/>
                 </a:solidFill>
-                <a:latin typeface="Times New Roman" panose="02020603050405020304" pitchFamily="18" charset="0"/>
+                <a:latin typeface="Sans-serif"/>
                 <a:cs typeface="Times New Roman" panose="02020603050405020304" pitchFamily="18" charset="0"/>
               </a:rPr>
               <a:t>electrónica</a:t>
@@ -24878,7 +24878,7 @@
               <a:solidFill>
                 <a:srgbClr val="F8F8F8"/>
               </a:solidFill>
-              <a:latin typeface="Times New Roman" panose="02020603050405020304" pitchFamily="18" charset="0"/>
+              <a:latin typeface="Sans-serif"/>
               <a:cs typeface="Times New Roman" panose="02020603050405020304" pitchFamily="18" charset="0"/>
             </a:endParaRPr>
           </a:p>
@@ -24887,6 +24887,7 @@
               <a:solidFill>
                 <a:srgbClr val="F8F8F8"/>
               </a:solidFill>
+              <a:latin typeface="Sans-serif"/>
             </a:endParaRPr>
           </a:p>
           <a:p>
@@ -24896,7 +24897,7 @@
                 <a:solidFill>
                   <a:srgbClr val="F8F8F8"/>
                 </a:solidFill>
-                <a:latin typeface="Times New Roman" panose="02020603050405020304" pitchFamily="18" charset="0"/>
+                <a:latin typeface="Sans-serif"/>
                 <a:cs typeface="Times New Roman" panose="02020603050405020304" pitchFamily="18" charset="0"/>
               </a:rPr>
               <a:t>Miguel </a:t>
@@ -24906,7 +24907,7 @@
                 <a:solidFill>
                   <a:srgbClr val="F8F8F8"/>
                 </a:solidFill>
-                <a:latin typeface="Times New Roman" panose="02020603050405020304" pitchFamily="18" charset="0"/>
+                <a:latin typeface="Sans-serif"/>
                 <a:cs typeface="Times New Roman" panose="02020603050405020304" pitchFamily="18" charset="0"/>
               </a:rPr>
               <a:t>Mirón </a:t>
@@ -24916,7 +24917,7 @@
                 <a:solidFill>
                   <a:srgbClr val="F8F8F8"/>
                 </a:solidFill>
-                <a:latin typeface="Times New Roman" panose="02020603050405020304" pitchFamily="18" charset="0"/>
+                <a:latin typeface="Sans-serif"/>
                 <a:cs typeface="Times New Roman" panose="02020603050405020304" pitchFamily="18" charset="0"/>
               </a:rPr>
               <a:t>Alarcón</a:t>
@@ -24929,7 +24930,7 @@
                 <a:solidFill>
                   <a:srgbClr val="F8F8F8"/>
                 </a:solidFill>
-                <a:latin typeface="Times New Roman" panose="02020603050405020304" pitchFamily="18" charset="0"/>
+                <a:latin typeface="Sans-serif"/>
                 <a:cs typeface="Times New Roman" panose="02020603050405020304" pitchFamily="18" charset="0"/>
               </a:rPr>
               <a:t>Arnau Monllor Valor</a:t>
@@ -24942,7 +24943,7 @@
                 <a:solidFill>
                   <a:srgbClr val="F8F8F8"/>
                 </a:solidFill>
-                <a:latin typeface="Times New Roman" panose="02020603050405020304" pitchFamily="18" charset="0"/>
+                <a:latin typeface="Sans-serif"/>
                 <a:cs typeface="Times New Roman" panose="02020603050405020304" pitchFamily="18" charset="0"/>
               </a:rPr>
               <a:t>José Pérez </a:t>
@@ -24952,7 +24953,7 @@
                 <a:solidFill>
                   <a:srgbClr val="F8F8F8"/>
                 </a:solidFill>
-                <a:latin typeface="Times New Roman" panose="02020603050405020304" pitchFamily="18" charset="0"/>
+                <a:latin typeface="Sans-serif"/>
                 <a:cs typeface="Times New Roman" panose="02020603050405020304" pitchFamily="18" charset="0"/>
               </a:rPr>
               <a:t>Sifre</a:t>
@@ -24961,7 +24962,7 @@
               <a:solidFill>
                 <a:srgbClr val="F8F8F8"/>
               </a:solidFill>
-              <a:latin typeface="Times New Roman" panose="02020603050405020304" pitchFamily="18" charset="0"/>
+              <a:latin typeface="Sans-serif"/>
               <a:cs typeface="Times New Roman" panose="02020603050405020304" pitchFamily="18" charset="0"/>
             </a:endParaRPr>
           </a:p>
@@ -24972,7 +24973,7 @@
                 <a:solidFill>
                   <a:srgbClr val="F8F8F8"/>
                 </a:solidFill>
-                <a:latin typeface="Times New Roman" panose="02020603050405020304" pitchFamily="18" charset="0"/>
+                <a:latin typeface="Sans-serif"/>
                 <a:cs typeface="Times New Roman" panose="02020603050405020304" pitchFamily="18" charset="0"/>
               </a:rPr>
               <a:t>Pavel </a:t>
@@ -24982,7 +24983,7 @@
                 <a:solidFill>
                   <a:srgbClr val="F8F8F8"/>
                 </a:solidFill>
-                <a:latin typeface="Times New Roman" panose="02020603050405020304" pitchFamily="18" charset="0"/>
+                <a:latin typeface="Sans-serif"/>
                 <a:cs typeface="Times New Roman" panose="02020603050405020304" pitchFamily="18" charset="0"/>
               </a:rPr>
               <a:t>Razgovorov</a:t>
@@ -24991,7 +24992,7 @@
               <a:solidFill>
                 <a:srgbClr val="F8F8F8"/>
               </a:solidFill>
-              <a:latin typeface="Times New Roman" panose="02020603050405020304" pitchFamily="18" charset="0"/>
+              <a:latin typeface="Sans-serif"/>
               <a:cs typeface="Times New Roman" panose="02020603050405020304" pitchFamily="18" charset="0"/>
             </a:endParaRPr>
           </a:p>
@@ -25076,7 +25077,7 @@
                 <a:solidFill>
                   <a:srgbClr val="000000"/>
                 </a:solidFill>
-                <a:latin typeface="Times New Roman" panose="02020603050405020304" pitchFamily="18" charset="0"/>
+                <a:latin typeface="Belleza"/>
                 <a:cs typeface="Times New Roman" panose="02020603050405020304" pitchFamily="18" charset="0"/>
               </a:rPr>
               <a:t>Objetivo del proyecto</a:t>
@@ -25085,7 +25086,7 @@
               <a:solidFill>
                 <a:srgbClr val="000000"/>
               </a:solidFill>
-              <a:latin typeface="Times New Roman" panose="02020603050405020304" pitchFamily="18" charset="0"/>
+              <a:latin typeface="Belleza"/>
               <a:cs typeface="Times New Roman" panose="02020603050405020304" pitchFamily="18" charset="0"/>
             </a:endParaRPr>
           </a:p>
@@ -25104,7 +25105,7 @@
         <p:spPr/>
         <p:txBody>
           <a:bodyPr>
-            <a:normAutofit fontScale="77500" lnSpcReduction="20000"/>
+            <a:normAutofit fontScale="70000" lnSpcReduction="20000"/>
           </a:bodyPr>
           <a:lstStyle/>
           <a:p>
@@ -25116,7 +25117,7 @@
                 <a:solidFill>
                   <a:srgbClr val="000000"/>
                 </a:solidFill>
-                <a:latin typeface="Times New Roman" panose="02020603050405020304" pitchFamily="18" charset="0"/>
+                <a:latin typeface="Sans-serif"/>
                 <a:cs typeface="Times New Roman" panose="02020603050405020304" pitchFamily="18" charset="0"/>
               </a:rPr>
               <a:t>El objetivo del proyecto es informar sobre los próximos festivales de música electrónica, mostrando:</a:t>
@@ -25128,7 +25129,7 @@
                 <a:solidFill>
                   <a:srgbClr val="000000"/>
                 </a:solidFill>
-                <a:latin typeface="Times New Roman" panose="02020603050405020304" pitchFamily="18" charset="0"/>
+                <a:latin typeface="Sans-serif"/>
                 <a:cs typeface="Times New Roman" panose="02020603050405020304" pitchFamily="18" charset="0"/>
               </a:rPr>
               <a:t>Fecha </a:t>
@@ -25138,7 +25139,7 @@
                 <a:solidFill>
                   <a:srgbClr val="000000"/>
                 </a:solidFill>
-                <a:latin typeface="Times New Roman" panose="02020603050405020304" pitchFamily="18" charset="0"/>
+                <a:latin typeface="Sans-serif"/>
                 <a:cs typeface="Times New Roman" panose="02020603050405020304" pitchFamily="18" charset="0"/>
               </a:rPr>
               <a:t>y localización.</a:t>
@@ -25150,7 +25151,7 @@
                 <a:solidFill>
                   <a:srgbClr val="000000"/>
                 </a:solidFill>
-                <a:latin typeface="Times New Roman" panose="02020603050405020304" pitchFamily="18" charset="0"/>
+                <a:latin typeface="Sans-serif"/>
                 <a:cs typeface="Times New Roman" panose="02020603050405020304" pitchFamily="18" charset="0"/>
               </a:rPr>
               <a:t>Artistas </a:t>
@@ -25160,7 +25161,7 @@
                 <a:solidFill>
                   <a:srgbClr val="000000"/>
                 </a:solidFill>
-                <a:latin typeface="Times New Roman" panose="02020603050405020304" pitchFamily="18" charset="0"/>
+                <a:latin typeface="Sans-serif"/>
                 <a:cs typeface="Times New Roman" panose="02020603050405020304" pitchFamily="18" charset="0"/>
               </a:rPr>
               <a:t>que participarán en el evento, junto con la información de cada uno de ellos.</a:t>
@@ -25172,7 +25173,7 @@
                 <a:solidFill>
                   <a:srgbClr val="000000"/>
                 </a:solidFill>
-                <a:latin typeface="Times New Roman" panose="02020603050405020304" pitchFamily="18" charset="0"/>
+                <a:latin typeface="Sans-serif"/>
                 <a:cs typeface="Times New Roman" panose="02020603050405020304" pitchFamily="18" charset="0"/>
               </a:rPr>
               <a:t>Principales </a:t>
@@ -25182,7 +25183,7 @@
                 <a:solidFill>
                   <a:srgbClr val="000000"/>
                 </a:solidFill>
-                <a:latin typeface="Times New Roman" panose="02020603050405020304" pitchFamily="18" charset="0"/>
+                <a:latin typeface="Sans-serif"/>
                 <a:cs typeface="Times New Roman" panose="02020603050405020304" pitchFamily="18" charset="0"/>
               </a:rPr>
               <a:t>géneros de música del festival.</a:t>
@@ -25194,7 +25195,7 @@
                 <a:solidFill>
                   <a:srgbClr val="000000"/>
                 </a:solidFill>
-                <a:latin typeface="Times New Roman" panose="02020603050405020304" pitchFamily="18" charset="0"/>
+                <a:latin typeface="Sans-serif"/>
                 <a:cs typeface="Times New Roman" panose="02020603050405020304" pitchFamily="18" charset="0"/>
               </a:rPr>
               <a:t>Fotos </a:t>
@@ -25204,19 +25205,24 @@
                 <a:solidFill>
                   <a:srgbClr val="000000"/>
                 </a:solidFill>
-                <a:latin typeface="Times New Roman" panose="02020603050405020304" pitchFamily="18" charset="0"/>
+                <a:latin typeface="Sans-serif"/>
                 <a:cs typeface="Times New Roman" panose="02020603050405020304" pitchFamily="18" charset="0"/>
               </a:rPr>
               <a:t>del festival.</a:t>
             </a:r>
           </a:p>
           <a:p>
+            <a:pPr>
+              <a:spcAft>
+                <a:spcPts val="600"/>
+              </a:spcAft>
+            </a:pPr>
             <a:r>
               <a:rPr lang="es-ES" sz="2400" dirty="0" smtClean="0">
                 <a:solidFill>
                   <a:srgbClr val="000000"/>
                 </a:solidFill>
-                <a:latin typeface="Times New Roman" panose="02020603050405020304" pitchFamily="18" charset="0"/>
+                <a:latin typeface="Sans-serif"/>
                 <a:cs typeface="Times New Roman" panose="02020603050405020304" pitchFamily="18" charset="0"/>
               </a:rPr>
               <a:t>Últimas </a:t>
@@ -25226,25 +25232,52 @@
                 <a:solidFill>
                   <a:srgbClr val="000000"/>
                 </a:solidFill>
-                <a:latin typeface="Times New Roman" panose="02020603050405020304" pitchFamily="18" charset="0"/>
+                <a:latin typeface="Sans-serif"/>
                 <a:cs typeface="Times New Roman" panose="02020603050405020304" pitchFamily="18" charset="0"/>
               </a:rPr>
-              <a:t>noticias.</a:t>
+              <a:t>noticias</a:t>
             </a:r>
+            <a:r>
+              <a:rPr lang="es-ES" sz="2400" dirty="0" smtClean="0">
+                <a:solidFill>
+                  <a:srgbClr val="000000"/>
+                </a:solidFill>
+                <a:latin typeface="Sans-serif"/>
+                <a:cs typeface="Times New Roman" panose="02020603050405020304" pitchFamily="18" charset="0"/>
+              </a:rPr>
+              <a:t>.</a:t>
+            </a:r>
+            <a:endParaRPr lang="es-ES" sz="2400" dirty="0">
+              <a:solidFill>
+                <a:srgbClr val="000000"/>
+              </a:solidFill>
+              <a:latin typeface="Sans-serif"/>
+              <a:cs typeface="Times New Roman" panose="02020603050405020304" pitchFamily="18" charset="0"/>
+            </a:endParaRPr>
           </a:p>
           <a:p>
             <a:pPr marL="0" indent="0">
               <a:buNone/>
             </a:pPr>
+            <a:r>
+              <a:rPr lang="es-ES" sz="2600" dirty="0" smtClean="0">
+                <a:solidFill>
+                  <a:srgbClr val="000000"/>
+                </a:solidFill>
+                <a:latin typeface="Sans-serif"/>
+                <a:cs typeface="Times New Roman" panose="02020603050405020304" pitchFamily="18" charset="0"/>
+              </a:rPr>
+              <a:t>También </a:t>
+            </a:r>
             <a:r>
               <a:rPr lang="es-ES" sz="2600" dirty="0">
                 <a:solidFill>
                   <a:srgbClr val="000000"/>
                 </a:solidFill>
-                <a:latin typeface="Times New Roman" panose="02020603050405020304" pitchFamily="18" charset="0"/>
+                <a:latin typeface="Sans-serif"/>
                 <a:cs typeface="Times New Roman" panose="02020603050405020304" pitchFamily="18" charset="0"/>
               </a:rPr>
-              <a:t>También se pretende que la aplicación web sea capaz de gestionar los eventos mediante los usuarios, que pueden ser managers de los artistas o promotores de los festivales.</a:t>
+              <a:t>se pretende que la aplicación web sea capaz de gestionar los eventos mediante los usuarios, que pueden ser managers de los artistas o promotores de los festivales.</a:t>
             </a:r>
           </a:p>
           <a:p>
@@ -25319,7 +25352,7 @@
                 <a:solidFill>
                   <a:srgbClr val="000000"/>
                 </a:solidFill>
-                <a:latin typeface="Times New Roman" panose="02020603050405020304" pitchFamily="18" charset="0"/>
+                <a:latin typeface="Sans-serif"/>
                 <a:cs typeface="Times New Roman" panose="02020603050405020304" pitchFamily="18" charset="0"/>
               </a:rPr>
               <a:t>Funcionalidades</a:t>
@@ -25328,7 +25361,7 @@
               <a:solidFill>
                 <a:srgbClr val="000000"/>
               </a:solidFill>
-              <a:latin typeface="Times New Roman" panose="02020603050405020304" pitchFamily="18" charset="0"/>
+              <a:latin typeface="Sans-serif"/>
               <a:cs typeface="Times New Roman" panose="02020603050405020304" pitchFamily="18" charset="0"/>
             </a:endParaRPr>
           </a:p>
@@ -25360,7 +25393,7 @@
                 <a:solidFill>
                   <a:srgbClr val="000000"/>
                 </a:solidFill>
-                <a:latin typeface="Times New Roman" panose="02020603050405020304" pitchFamily="18" charset="0"/>
+                <a:latin typeface="Sans-serif"/>
                 <a:cs typeface="Times New Roman" panose="02020603050405020304" pitchFamily="18" charset="0"/>
               </a:rPr>
               <a:t>Parte Pública</a:t>
@@ -25369,7 +25402,7 @@
               <a:solidFill>
                 <a:srgbClr val="000000"/>
               </a:solidFill>
-              <a:latin typeface="Times New Roman" panose="02020603050405020304" pitchFamily="18" charset="0"/>
+              <a:latin typeface="Sans-serif"/>
               <a:cs typeface="Times New Roman" panose="02020603050405020304" pitchFamily="18" charset="0"/>
             </a:endParaRPr>
           </a:p>
@@ -25384,7 +25417,7 @@
                 <a:solidFill>
                   <a:srgbClr val="000000"/>
                 </a:solidFill>
-                <a:latin typeface="Times New Roman" panose="02020603050405020304" pitchFamily="18" charset="0"/>
+                <a:latin typeface="Sans-serif"/>
                 <a:cs typeface="Times New Roman" panose="02020603050405020304" pitchFamily="18" charset="0"/>
               </a:rPr>
               <a:t>Se puede acceder a toda la información de festivales y artistas</a:t>
@@ -25401,7 +25434,7 @@
                 <a:solidFill>
                   <a:srgbClr val="000000"/>
                 </a:solidFill>
-                <a:latin typeface="Times New Roman" panose="02020603050405020304" pitchFamily="18" charset="0"/>
+                <a:latin typeface="Sans-serif"/>
                 <a:cs typeface="Times New Roman" panose="02020603050405020304" pitchFamily="18" charset="0"/>
               </a:rPr>
               <a:t>Acceso a Registro, Login y Página de contacto</a:t>
@@ -25413,7 +25446,7 @@
                 <a:solidFill>
                   <a:srgbClr val="000000"/>
                 </a:solidFill>
-                <a:latin typeface="Times New Roman" panose="02020603050405020304" pitchFamily="18" charset="0"/>
+                <a:latin typeface="Sans-serif"/>
                 <a:cs typeface="Times New Roman" panose="02020603050405020304" pitchFamily="18" charset="0"/>
               </a:rPr>
               <a:t>Festivales y artistas se pueden organizar por fecha y nombre, respectivamente, o ser buscados por nombre o estilo musical</a:t>
@@ -25489,7 +25522,7 @@
                 <a:solidFill>
                   <a:srgbClr val="000000"/>
                 </a:solidFill>
-                <a:latin typeface="Times New Roman" panose="02020603050405020304" pitchFamily="18" charset="0"/>
+                <a:latin typeface="Sans-serif"/>
                 <a:cs typeface="Times New Roman" panose="02020603050405020304" pitchFamily="18" charset="0"/>
               </a:rPr>
               <a:t>Funcionalidades</a:t>
@@ -25498,7 +25531,7 @@
               <a:solidFill>
                 <a:srgbClr val="000000"/>
               </a:solidFill>
-              <a:latin typeface="Times New Roman" panose="02020603050405020304" pitchFamily="18" charset="0"/>
+              <a:latin typeface="Sans-serif"/>
               <a:cs typeface="Times New Roman" panose="02020603050405020304" pitchFamily="18" charset="0"/>
             </a:endParaRPr>
           </a:p>
@@ -25517,7 +25550,7 @@
         <p:spPr/>
         <p:txBody>
           <a:bodyPr>
-            <a:normAutofit fontScale="92500" lnSpcReduction="10000"/>
+            <a:normAutofit/>
           </a:bodyPr>
           <a:lstStyle/>
           <a:p>
@@ -25529,7 +25562,7 @@
                 <a:solidFill>
                   <a:srgbClr val="000000"/>
                 </a:solidFill>
-                <a:latin typeface="Times New Roman" panose="02020603050405020304" pitchFamily="18" charset="0"/>
+                <a:latin typeface="Sans-serif"/>
                 <a:cs typeface="Times New Roman" panose="02020603050405020304" pitchFamily="18" charset="0"/>
               </a:rPr>
               <a:t>Parte Privada</a:t>
@@ -25556,7 +25589,7 @@
                     <a:srgbClr val="FFFFFF"/>
                   </a:solidFill>
                 </a:uFill>
-                <a:latin typeface="Times New Roman"/>
+                <a:latin typeface="Sans-serif"/>
               </a:rPr>
               <a:t>Tres tipos de usuarios:</a:t>
             </a:r>
@@ -25568,20 +25601,20 @@
               </a:spcAft>
             </a:pPr>
             <a:r>
-              <a:rPr lang="es-ES" sz="3200" dirty="0" smtClean="0">
+              <a:rPr lang="es-ES" dirty="0" smtClean="0">
                 <a:solidFill>
                   <a:srgbClr val="000000"/>
                 </a:solidFill>
-                <a:latin typeface="Times New Roman" panose="02020603050405020304" pitchFamily="18" charset="0"/>
+                <a:latin typeface="Sans-serif"/>
                 <a:cs typeface="Times New Roman" panose="02020603050405020304" pitchFamily="18" charset="0"/>
               </a:rPr>
               <a:t>Administrador</a:t>
             </a:r>
-            <a:endParaRPr lang="es-ES" sz="3200" dirty="0">
+            <a:endParaRPr lang="es-ES" dirty="0">
               <a:solidFill>
                 <a:srgbClr val="000000"/>
               </a:solidFill>
-              <a:latin typeface="Times New Roman" panose="02020603050405020304" pitchFamily="18" charset="0"/>
+              <a:latin typeface="Sans-serif"/>
               <a:cs typeface="Times New Roman" panose="02020603050405020304" pitchFamily="18" charset="0"/>
             </a:endParaRPr>
           </a:p>
@@ -25592,39 +25625,39 @@
               </a:spcAft>
             </a:pPr>
             <a:r>
-              <a:rPr lang="es-ES" sz="3200" dirty="0" smtClean="0">
+              <a:rPr lang="es-ES" dirty="0" smtClean="0">
                 <a:solidFill>
                   <a:srgbClr val="000000"/>
                 </a:solidFill>
-                <a:latin typeface="Times New Roman" panose="02020603050405020304" pitchFamily="18" charset="0"/>
+                <a:latin typeface="Sans-serif"/>
                 <a:cs typeface="Times New Roman" panose="02020603050405020304" pitchFamily="18" charset="0"/>
               </a:rPr>
               <a:t>Promotor</a:t>
             </a:r>
-            <a:endParaRPr lang="es-ES" sz="3200" dirty="0">
+            <a:endParaRPr lang="es-ES" dirty="0">
               <a:solidFill>
                 <a:srgbClr val="000000"/>
               </a:solidFill>
-              <a:latin typeface="Times New Roman" panose="02020603050405020304" pitchFamily="18" charset="0"/>
+              <a:latin typeface="Sans-serif"/>
               <a:cs typeface="Times New Roman" panose="02020603050405020304" pitchFamily="18" charset="0"/>
             </a:endParaRPr>
           </a:p>
           <a:p>
             <a:r>
-              <a:rPr lang="es-ES" sz="3200" dirty="0" smtClean="0">
+              <a:rPr lang="es-ES" dirty="0" smtClean="0">
                 <a:solidFill>
                   <a:srgbClr val="000000"/>
                 </a:solidFill>
-                <a:latin typeface="Times New Roman" panose="02020603050405020304" pitchFamily="18" charset="0"/>
+                <a:latin typeface="Sans-serif"/>
                 <a:cs typeface="Times New Roman" panose="02020603050405020304" pitchFamily="18" charset="0"/>
               </a:rPr>
               <a:t>Mánager</a:t>
             </a:r>
-            <a:endParaRPr lang="es-ES" sz="3200" dirty="0">
+            <a:endParaRPr lang="es-ES" dirty="0">
               <a:solidFill>
                 <a:srgbClr val="000000"/>
               </a:solidFill>
-              <a:latin typeface="Times New Roman" panose="02020603050405020304" pitchFamily="18" charset="0"/>
+              <a:latin typeface="Sans-serif"/>
               <a:cs typeface="Times New Roman" panose="02020603050405020304" pitchFamily="18" charset="0"/>
             </a:endParaRPr>
           </a:p>
@@ -25689,7 +25722,7 @@
                 <a:solidFill>
                   <a:srgbClr val="000000"/>
                 </a:solidFill>
-                <a:latin typeface="Times New Roman" panose="02020603050405020304" pitchFamily="18" charset="0"/>
+                <a:latin typeface="Sans-serif"/>
                 <a:cs typeface="Times New Roman" panose="02020603050405020304" pitchFamily="18" charset="0"/>
               </a:rPr>
               <a:t>Funcionalidades</a:t>
@@ -25698,7 +25731,7 @@
               <a:solidFill>
                 <a:srgbClr val="000000"/>
               </a:solidFill>
-              <a:latin typeface="Times New Roman" panose="02020603050405020304" pitchFamily="18" charset="0"/>
+              <a:latin typeface="Sans-serif"/>
               <a:cs typeface="Times New Roman" panose="02020603050405020304" pitchFamily="18" charset="0"/>
             </a:endParaRPr>
           </a:p>
@@ -25714,7 +25747,12 @@
             <p:ph idx="1"/>
           </p:nvPr>
         </p:nvSpPr>
-        <p:spPr/>
+        <p:spPr>
+          <a:xfrm>
+            <a:off x="1141413" y="2249487"/>
+            <a:ext cx="3887788" cy="3541714"/>
+          </a:xfrm>
+        </p:spPr>
         <p:txBody>
           <a:bodyPr>
             <a:normAutofit/>
@@ -25732,34 +25770,20 @@
                 <a:solidFill>
                   <a:srgbClr val="000000"/>
                 </a:solidFill>
-                <a:latin typeface="Times New Roman" panose="02020603050405020304" pitchFamily="18" charset="0"/>
+                <a:latin typeface="Sans-serif"/>
                 <a:cs typeface="Times New Roman" panose="02020603050405020304" pitchFamily="18" charset="0"/>
               </a:rPr>
               <a:t>Administrador:</a:t>
             </a:r>
           </a:p>
           <a:p>
-            <a:pPr marL="0" indent="0">
+            <a:pPr>
               <a:spcBef>
                 <a:spcPts val="0"/>
               </a:spcBef>
-              <a:buNone/>
+              <a:buFontTx/>
+              <a:buChar char="-"/>
             </a:pPr>
-            <a:r>
-              <a:rPr lang="es-ES" sz="2000" b="1" spc="-1" dirty="0" smtClean="0">
-                <a:solidFill>
-                  <a:srgbClr val="000000"/>
-                </a:solidFill>
-                <a:uFill>
-                  <a:solidFill>
-                    <a:srgbClr val="FFFFFF"/>
-                  </a:solidFill>
-                </a:uFill>
-                <a:latin typeface="Times New Roman" panose="02020603050405020304" pitchFamily="18" charset="0"/>
-                <a:cs typeface="Times New Roman" panose="02020603050405020304" pitchFamily="18" charset="0"/>
-              </a:rPr>
-              <a:t>- </a:t>
-            </a:r>
             <a:r>
               <a:rPr lang="es-ES" sz="2000" spc="-1" dirty="0" smtClean="0">
                 <a:solidFill>
@@ -25770,7 +25794,7 @@
                     <a:srgbClr val="FFFFFF"/>
                   </a:solidFill>
                 </a:uFill>
-                <a:latin typeface="Times New Roman"/>
+                <a:latin typeface="Sans-serif"/>
               </a:rPr>
               <a:t>Puede </a:t>
             </a:r>
@@ -25784,9 +25808,9 @@
                     <a:srgbClr val="FFFFFF"/>
                   </a:solidFill>
                 </a:uFill>
-                <a:latin typeface="Times New Roman"/>
+                <a:latin typeface="Sans-serif"/>
               </a:rPr>
-              <a:t>borrar o bloquear a los usuarios y editar los géneros musicales de los festivales y artistas</a:t>
+              <a:t>borrar o bloquear a </a:t>
             </a:r>
             <a:r>
               <a:rPr lang="es-ES" sz="2000" spc="-1" dirty="0" smtClean="0">
@@ -25798,9 +25822,170 @@
                     <a:srgbClr val="FFFFFF"/>
                   </a:solidFill>
                 </a:uFill>
-                <a:latin typeface="Times New Roman"/>
+                <a:latin typeface="Sans-serif"/>
               </a:rPr>
-              <a:t>.</a:t>
+              <a:t>los </a:t>
+            </a:r>
+          </a:p>
+          <a:p>
+            <a:pPr marL="0" indent="0">
+              <a:spcBef>
+                <a:spcPts val="0"/>
+              </a:spcBef>
+              <a:buNone/>
+            </a:pPr>
+            <a:r>
+              <a:rPr lang="es-ES" sz="2000" spc="-1" dirty="0" smtClean="0">
+                <a:solidFill>
+                  <a:srgbClr val="000000"/>
+                </a:solidFill>
+                <a:uFill>
+                  <a:solidFill>
+                    <a:srgbClr val="FFFFFF"/>
+                  </a:solidFill>
+                </a:uFill>
+                <a:latin typeface="Sans-serif"/>
+              </a:rPr>
+              <a:t>usuarios </a:t>
+            </a:r>
+            <a:r>
+              <a:rPr lang="es-ES" sz="2000" spc="-1" dirty="0">
+                <a:solidFill>
+                  <a:srgbClr val="000000"/>
+                </a:solidFill>
+                <a:uFill>
+                  <a:solidFill>
+                    <a:srgbClr val="FFFFFF"/>
+                  </a:solidFill>
+                </a:uFill>
+                <a:latin typeface="Sans-serif"/>
+              </a:rPr>
+              <a:t>y editar los géneros </a:t>
+            </a:r>
+            <a:endParaRPr lang="es-ES" sz="2000" spc="-1" dirty="0" smtClean="0">
+              <a:solidFill>
+                <a:srgbClr val="000000"/>
+              </a:solidFill>
+              <a:uFill>
+                <a:solidFill>
+                  <a:srgbClr val="FFFFFF"/>
+                </a:solidFill>
+              </a:uFill>
+              <a:latin typeface="Sans-serif"/>
+            </a:endParaRPr>
+          </a:p>
+          <a:p>
+            <a:pPr marL="0" indent="0">
+              <a:spcBef>
+                <a:spcPts val="0"/>
+              </a:spcBef>
+              <a:buNone/>
+            </a:pPr>
+            <a:r>
+              <a:rPr lang="es-ES" sz="2000" spc="-1" dirty="0" smtClean="0">
+                <a:solidFill>
+                  <a:srgbClr val="000000"/>
+                </a:solidFill>
+                <a:uFill>
+                  <a:solidFill>
+                    <a:srgbClr val="FFFFFF"/>
+                  </a:solidFill>
+                </a:uFill>
+                <a:latin typeface="Sans-serif"/>
+              </a:rPr>
+              <a:t>musicales </a:t>
+            </a:r>
+            <a:r>
+              <a:rPr lang="es-ES" sz="2000" spc="-1" dirty="0">
+                <a:solidFill>
+                  <a:srgbClr val="000000"/>
+                </a:solidFill>
+                <a:uFill>
+                  <a:solidFill>
+                    <a:srgbClr val="FFFFFF"/>
+                  </a:solidFill>
+                </a:uFill>
+                <a:latin typeface="Sans-serif"/>
+              </a:rPr>
+              <a:t>de los festivales y </a:t>
+            </a:r>
+            <a:endParaRPr lang="es-ES" sz="2000" spc="-1" dirty="0" smtClean="0">
+              <a:solidFill>
+                <a:srgbClr val="000000"/>
+              </a:solidFill>
+              <a:uFill>
+                <a:solidFill>
+                  <a:srgbClr val="FFFFFF"/>
+                </a:solidFill>
+              </a:uFill>
+              <a:latin typeface="Sans-serif"/>
+            </a:endParaRPr>
+          </a:p>
+          <a:p>
+            <a:pPr marL="0" indent="0">
+              <a:spcBef>
+                <a:spcPts val="0"/>
+              </a:spcBef>
+              <a:buNone/>
+            </a:pPr>
+            <a:r>
+              <a:rPr lang="es-ES" sz="2000" spc="-1" dirty="0" smtClean="0">
+                <a:solidFill>
+                  <a:srgbClr val="000000"/>
+                </a:solidFill>
+                <a:uFill>
+                  <a:solidFill>
+                    <a:srgbClr val="FFFFFF"/>
+                  </a:solidFill>
+                </a:uFill>
+                <a:latin typeface="Sans-serif"/>
+              </a:rPr>
+              <a:t>artistas.</a:t>
+            </a:r>
+          </a:p>
+          <a:p>
+            <a:pPr>
+              <a:spcBef>
+                <a:spcPts val="0"/>
+              </a:spcBef>
+              <a:buFontTx/>
+              <a:buChar char="-"/>
+            </a:pPr>
+            <a:r>
+              <a:rPr lang="es-ES" sz="2000" spc="-1" dirty="0" smtClean="0">
+                <a:solidFill>
+                  <a:srgbClr val="000000"/>
+                </a:solidFill>
+                <a:uFill>
+                  <a:solidFill>
+                    <a:srgbClr val="FFFFFF"/>
+                  </a:solidFill>
+                </a:uFill>
+                <a:latin typeface="Sans-serif"/>
+              </a:rPr>
+              <a:t>Debe confirmar las cuentas </a:t>
+            </a:r>
+          </a:p>
+          <a:p>
+            <a:pPr marL="0" indent="0">
+              <a:spcBef>
+                <a:spcPts val="0"/>
+              </a:spcBef>
+              <a:buNone/>
+            </a:pPr>
+            <a:r>
+              <a:rPr lang="es-ES" sz="2000" spc="-1" dirty="0" smtClean="0">
+                <a:solidFill>
+                  <a:srgbClr val="000000"/>
+                </a:solidFill>
+                <a:uFill>
+                  <a:solidFill>
+                    <a:srgbClr val="FFFFFF"/>
+                  </a:solidFill>
+                </a:uFill>
+                <a:latin typeface="Sans-serif"/>
+              </a:rPr>
+              <a:t>de los usuarios.</a:t>
             </a:r>
           </a:p>
         </p:txBody>
@@ -25866,8 +26051,8 @@
         </p:blipFill>
         <p:spPr>
           <a:xfrm>
-            <a:off x="3629024" y="3371849"/>
-            <a:ext cx="6169311" cy="2905125"/>
+            <a:off x="5419724" y="2667002"/>
+            <a:ext cx="5781675" cy="3124199"/>
           </a:xfrm>
           <a:prstGeom prst="rect">
             <a:avLst/>
@@ -25933,7 +26118,7 @@
                 <a:solidFill>
                   <a:srgbClr val="000000"/>
                 </a:solidFill>
-                <a:latin typeface="Times New Roman" panose="02020603050405020304" pitchFamily="18" charset="0"/>
+                <a:latin typeface="Sans-serif"/>
                 <a:cs typeface="Times New Roman" panose="02020603050405020304" pitchFamily="18" charset="0"/>
               </a:rPr>
               <a:t>Funcionalidades</a:t>
@@ -25942,7 +26127,7 @@
               <a:solidFill>
                 <a:srgbClr val="000000"/>
               </a:solidFill>
-              <a:latin typeface="Times New Roman" panose="02020603050405020304" pitchFamily="18" charset="0"/>
+              <a:latin typeface="Sans-serif"/>
               <a:cs typeface="Times New Roman" panose="02020603050405020304" pitchFamily="18" charset="0"/>
             </a:endParaRPr>
           </a:p>
@@ -25958,7 +26143,12 @@
             <p:ph idx="1"/>
           </p:nvPr>
         </p:nvSpPr>
-        <p:spPr/>
+        <p:spPr>
+          <a:xfrm>
+            <a:off x="1141413" y="2249487"/>
+            <a:ext cx="4006850" cy="3541714"/>
+          </a:xfrm>
+        </p:spPr>
         <p:txBody>
           <a:bodyPr>
             <a:normAutofit/>
@@ -25982,7 +26172,7 @@
                     <a:srgbClr val="FFFFFF"/>
                   </a:solidFill>
                 </a:uFill>
-                <a:latin typeface="Times New Roman"/>
+                <a:latin typeface="Sans-serif"/>
               </a:rPr>
               <a:t>Promotor:</a:t>
             </a:r>
@@ -26005,7 +26195,7 @@
                     <a:srgbClr val="FFFFFF"/>
                   </a:solidFill>
                 </a:uFill>
-                <a:latin typeface="Times New Roman"/>
+                <a:latin typeface="Sans-serif"/>
               </a:rPr>
               <a:t>- Puede </a:t>
             </a:r>
@@ -26019,7 +26209,7 @@
                     <a:srgbClr val="FFFFFF"/>
                   </a:solidFill>
                 </a:uFill>
-                <a:latin typeface="Times New Roman"/>
+                <a:latin typeface="Sans-serif"/>
               </a:rPr>
               <a:t>crear, editar y borrar </a:t>
             </a:r>
@@ -26032,7 +26222,7 @@
                   <a:srgbClr val="FFFFFF"/>
                 </a:solidFill>
               </a:uFill>
-              <a:latin typeface="Times New Roman"/>
+              <a:latin typeface="Sans-serif"/>
             </a:endParaRPr>
           </a:p>
           <a:p>
@@ -26053,7 +26243,7 @@
                     <a:srgbClr val="FFFFFF"/>
                   </a:solidFill>
                 </a:uFill>
-                <a:latin typeface="Times New Roman"/>
+                <a:latin typeface="Sans-serif"/>
               </a:rPr>
               <a:t>sus </a:t>
             </a:r>
@@ -26067,7 +26257,7 @@
                     <a:srgbClr val="FFFFFF"/>
                   </a:solidFill>
                 </a:uFill>
-                <a:latin typeface="Times New Roman"/>
+                <a:latin typeface="Sans-serif"/>
               </a:rPr>
               <a:t>propios festivales</a:t>
             </a:r>
@@ -26081,21 +26271,10 @@
                     <a:srgbClr val="FFFFFF"/>
                   </a:solidFill>
                 </a:uFill>
-                <a:latin typeface="Times New Roman"/>
+                <a:latin typeface="Sans-serif"/>
               </a:rPr>
               <a:t>.</a:t>
             </a:r>
-            <a:endParaRPr lang="es-ES" sz="2000" spc="-1" dirty="0" smtClean="0">
-              <a:solidFill>
-                <a:srgbClr val="000000"/>
-              </a:solidFill>
-              <a:uFill>
-                <a:solidFill>
-                  <a:srgbClr val="FFFFFF"/>
-                </a:solidFill>
-              </a:uFill>
-              <a:latin typeface="Arial"/>
-            </a:endParaRPr>
           </a:p>
           <a:p>
             <a:pPr marL="108000" indent="0">
@@ -26115,7 +26294,7 @@
                     <a:srgbClr val="FFFFFF"/>
                   </a:solidFill>
                 </a:uFill>
-                <a:latin typeface="Times New Roman"/>
+                <a:latin typeface="Sans-serif"/>
               </a:rPr>
               <a:t>- Envía </a:t>
             </a:r>
@@ -26129,9 +26308,9 @@
                     <a:srgbClr val="FFFFFF"/>
                   </a:solidFill>
                 </a:uFill>
-                <a:latin typeface="Times New Roman"/>
+                <a:latin typeface="Sans-serif"/>
               </a:rPr>
-              <a:t>invitaciones a los mánagers </a:t>
+              <a:t>invitaciones a los </a:t>
             </a:r>
             <a:endParaRPr lang="es-ES" sz="2000" spc="-1" dirty="0" smtClean="0">
               <a:solidFill>
@@ -26142,7 +26321,7 @@
                   <a:srgbClr val="FFFFFF"/>
                 </a:solidFill>
               </a:uFill>
-              <a:latin typeface="Times New Roman"/>
+              <a:latin typeface="Sans-serif"/>
             </a:endParaRPr>
           </a:p>
           <a:p>
@@ -26163,9 +26342,9 @@
                     <a:srgbClr val="FFFFFF"/>
                   </a:solidFill>
                 </a:uFill>
-                <a:latin typeface="Times New Roman"/>
+                <a:latin typeface="Sans-serif"/>
               </a:rPr>
-              <a:t>de </a:t>
+              <a:t>mánagers de los </a:t>
             </a:r>
             <a:r>
               <a:rPr lang="es-ES" sz="2000" spc="-1" dirty="0">
@@ -26177,21 +26356,24 @@
                     <a:srgbClr val="FFFFFF"/>
                   </a:solidFill>
                 </a:uFill>
-                <a:latin typeface="Times New Roman"/>
+                <a:latin typeface="Sans-serif"/>
               </a:rPr>
-              <a:t>cuyos artistas quiere que actúen </a:t>
+              <a:t>artistas </a:t>
             </a:r>
-            <a:endParaRPr lang="es-ES" sz="2000" spc="-1" dirty="0" smtClean="0">
-              <a:solidFill>
-                <a:srgbClr val="000000"/>
-              </a:solidFill>
-              <a:uFill>
+            <a:r>
+              <a:rPr lang="es-ES" sz="2000" spc="-1" dirty="0" smtClean="0">
                 <a:solidFill>
-                  <a:srgbClr val="FFFFFF"/>
+                  <a:srgbClr val="000000"/>
                 </a:solidFill>
-              </a:uFill>
-              <a:latin typeface="Times New Roman"/>
-            </a:endParaRPr>
+                <a:uFill>
+                  <a:solidFill>
+                    <a:srgbClr val="FFFFFF"/>
+                  </a:solidFill>
+                </a:uFill>
+                <a:latin typeface="Sans-serif"/>
+              </a:rPr>
+              <a:t>que se</a:t>
+            </a:r>
           </a:p>
           <a:p>
             <a:pPr marL="108000" indent="0">
@@ -26211,7 +26393,35 @@
                     <a:srgbClr val="FFFFFF"/>
                   </a:solidFill>
                 </a:uFill>
-                <a:latin typeface="Times New Roman"/>
+                <a:latin typeface="Sans-serif"/>
+              </a:rPr>
+              <a:t>desea </a:t>
+            </a:r>
+            <a:r>
+              <a:rPr lang="es-ES" sz="2000" spc="-1" dirty="0">
+                <a:solidFill>
+                  <a:srgbClr val="000000"/>
+                </a:solidFill>
+                <a:uFill>
+                  <a:solidFill>
+                    <a:srgbClr val="FFFFFF"/>
+                  </a:solidFill>
+                </a:uFill>
+                <a:latin typeface="Sans-serif"/>
+              </a:rPr>
+              <a:t>que actúen </a:t>
+            </a:r>
+            <a:r>
+              <a:rPr lang="es-ES" sz="2000" spc="-1" dirty="0" smtClean="0">
+                <a:solidFill>
+                  <a:srgbClr val="000000"/>
+                </a:solidFill>
+                <a:uFill>
+                  <a:solidFill>
+                    <a:srgbClr val="FFFFFF"/>
+                  </a:solidFill>
+                </a:uFill>
+                <a:latin typeface="Sans-serif"/>
               </a:rPr>
               <a:t>en </a:t>
             </a:r>
@@ -26225,11 +26435,11 @@
                     <a:srgbClr val="FFFFFF"/>
                   </a:solidFill>
                 </a:uFill>
-                <a:latin typeface="Times New Roman"/>
+                <a:latin typeface="Sans-serif"/>
               </a:rPr>
               <a:t>su festival.</a:t>
             </a:r>
-            <a:endParaRPr lang="es-ES" sz="2400" spc="-1" dirty="0">
+            <a:endParaRPr lang="es-ES" spc="-1" dirty="0">
               <a:solidFill>
                 <a:srgbClr val="000000"/>
               </a:solidFill>
@@ -26238,7 +26448,7 @@
                   <a:srgbClr val="FFFFFF"/>
                 </a:solidFill>
               </a:uFill>
-              <a:latin typeface="Times New Roman"/>
+              <a:latin typeface="Sans-serif"/>
             </a:endParaRPr>
           </a:p>
         </p:txBody>
@@ -26265,8 +26475,8 @@
         </p:blipFill>
         <p:spPr>
           <a:xfrm>
-            <a:off x="5148262" y="2249487"/>
-            <a:ext cx="5817452" cy="3989388"/>
+            <a:off x="5287109" y="2249487"/>
+            <a:ext cx="5619016" cy="3853308"/>
           </a:xfrm>
           <a:prstGeom prst="rect">
             <a:avLst/>
@@ -26332,7 +26542,7 @@
                 <a:solidFill>
                   <a:srgbClr val="000000"/>
                 </a:solidFill>
-                <a:latin typeface="Times New Roman" panose="02020603050405020304" pitchFamily="18" charset="0"/>
+                <a:latin typeface="Sans-serif"/>
                 <a:cs typeface="Times New Roman" panose="02020603050405020304" pitchFamily="18" charset="0"/>
               </a:rPr>
               <a:t>Funcionalidades</a:t>
@@ -26341,7 +26551,7 @@
               <a:solidFill>
                 <a:srgbClr val="000000"/>
               </a:solidFill>
-              <a:latin typeface="Times New Roman" panose="02020603050405020304" pitchFamily="18" charset="0"/>
+              <a:latin typeface="Sans-serif"/>
               <a:cs typeface="Times New Roman" panose="02020603050405020304" pitchFamily="18" charset="0"/>
             </a:endParaRPr>
           </a:p>
@@ -26357,7 +26567,12 @@
             <p:ph idx="1"/>
           </p:nvPr>
         </p:nvSpPr>
-        <p:spPr/>
+        <p:spPr>
+          <a:xfrm>
+            <a:off x="1141412" y="2249487"/>
+            <a:ext cx="3602037" cy="3541714"/>
+          </a:xfrm>
+        </p:spPr>
         <p:txBody>
           <a:bodyPr>
             <a:normAutofit/>
@@ -26381,7 +26596,8 @@
                     <a:srgbClr val="FFFFFF"/>
                   </a:solidFill>
                 </a:uFill>
-                <a:latin typeface="Times New Roman"/>
+                <a:latin typeface="Sans-serif"/>
+                <a:cs typeface="Arial" panose="020B0604020202020204" pitchFamily="34" charset="0"/>
               </a:rPr>
               <a:t>Mánager:</a:t>
             </a:r>
@@ -26394,7 +26610,8 @@
                   <a:srgbClr val="FFFFFF"/>
                 </a:solidFill>
               </a:uFill>
-              <a:latin typeface="Arial"/>
+              <a:latin typeface="Sans-serif"/>
+              <a:cs typeface="Arial" panose="020B0604020202020204" pitchFamily="34" charset="0"/>
             </a:endParaRPr>
           </a:p>
           <a:p>
@@ -26415,7 +26632,8 @@
                     <a:srgbClr val="FFFFFF"/>
                   </a:solidFill>
                 </a:uFill>
-                <a:latin typeface="Times New Roman"/>
+                <a:latin typeface="Sans-serif"/>
+                <a:cs typeface="Arial" panose="020B0604020202020204" pitchFamily="34" charset="0"/>
               </a:rPr>
               <a:t>- Puede </a:t>
             </a:r>
@@ -26429,7 +26647,8 @@
                     <a:srgbClr val="FFFFFF"/>
                   </a:solidFill>
                 </a:uFill>
-                <a:latin typeface="Times New Roman"/>
+                <a:latin typeface="Sans-serif"/>
+                <a:cs typeface="Arial" panose="020B0604020202020204" pitchFamily="34" charset="0"/>
               </a:rPr>
               <a:t>crear, editar y borrar </a:t>
             </a:r>
@@ -26452,7 +26671,8 @@
                     <a:srgbClr val="FFFFFF"/>
                   </a:solidFill>
                 </a:uFill>
-                <a:latin typeface="Times New Roman"/>
+                <a:latin typeface="Sans-serif"/>
+                <a:cs typeface="Arial" panose="020B0604020202020204" pitchFamily="34" charset="0"/>
               </a:rPr>
               <a:t>sus </a:t>
             </a:r>
@@ -26466,7 +26686,8 @@
                     <a:srgbClr val="FFFFFF"/>
                   </a:solidFill>
                 </a:uFill>
-                <a:latin typeface="Times New Roman"/>
+                <a:latin typeface="Sans-serif"/>
+                <a:cs typeface="Arial" panose="020B0604020202020204" pitchFamily="34" charset="0"/>
               </a:rPr>
               <a:t>propios </a:t>
             </a:r>
@@ -26480,21 +26701,11 @@
                     <a:srgbClr val="FFFFFF"/>
                   </a:solidFill>
                 </a:uFill>
-                <a:latin typeface="Times New Roman"/>
+                <a:latin typeface="Sans-serif"/>
+                <a:cs typeface="Arial" panose="020B0604020202020204" pitchFamily="34" charset="0"/>
               </a:rPr>
               <a:t>artistas.</a:t>
             </a:r>
-            <a:endParaRPr lang="es-ES" sz="2000" spc="-1" dirty="0" smtClean="0">
-              <a:solidFill>
-                <a:srgbClr val="000000"/>
-              </a:solidFill>
-              <a:uFill>
-                <a:solidFill>
-                  <a:srgbClr val="FFFFFF"/>
-                </a:solidFill>
-              </a:uFill>
-              <a:latin typeface="Arial"/>
-            </a:endParaRPr>
           </a:p>
           <a:p>
             <a:pPr marL="108000" indent="0">
@@ -26514,7 +26725,8 @@
                     <a:srgbClr val="FFFFFF"/>
                   </a:solidFill>
                 </a:uFill>
-                <a:latin typeface="Times New Roman"/>
+                <a:latin typeface="Sans-serif"/>
+                <a:cs typeface="Arial" panose="020B0604020202020204" pitchFamily="34" charset="0"/>
               </a:rPr>
               <a:t>- Contesta </a:t>
             </a:r>
@@ -26528,7 +26740,8 @@
                     <a:srgbClr val="FFFFFF"/>
                   </a:solidFill>
                 </a:uFill>
-                <a:latin typeface="Times New Roman"/>
+                <a:latin typeface="Sans-serif"/>
+                <a:cs typeface="Arial" panose="020B0604020202020204" pitchFamily="34" charset="0"/>
               </a:rPr>
               <a:t>a las invitaciones </a:t>
             </a:r>
@@ -26541,7 +26754,8 @@
                   <a:srgbClr val="FFFFFF"/>
                 </a:solidFill>
               </a:uFill>
-              <a:latin typeface="Times New Roman"/>
+              <a:latin typeface="Sans-serif"/>
+              <a:cs typeface="Arial" panose="020B0604020202020204" pitchFamily="34" charset="0"/>
             </a:endParaRPr>
           </a:p>
           <a:p>
@@ -26562,7 +26776,8 @@
                     <a:srgbClr val="FFFFFF"/>
                   </a:solidFill>
                 </a:uFill>
-                <a:latin typeface="Times New Roman"/>
+                <a:latin typeface="Sans-serif"/>
+                <a:cs typeface="Arial" panose="020B0604020202020204" pitchFamily="34" charset="0"/>
               </a:rPr>
               <a:t>de </a:t>
             </a:r>
@@ -26576,21 +26791,11 @@
                     <a:srgbClr val="FFFFFF"/>
                   </a:solidFill>
                 </a:uFill>
-                <a:latin typeface="Times New Roman"/>
+                <a:latin typeface="Sans-serif"/>
+                <a:cs typeface="Arial" panose="020B0604020202020204" pitchFamily="34" charset="0"/>
               </a:rPr>
               <a:t>los promotores.</a:t>
             </a:r>
-            <a:endParaRPr lang="es-ES" sz="2000" spc="-1" dirty="0">
-              <a:solidFill>
-                <a:srgbClr val="000000"/>
-              </a:solidFill>
-              <a:uFill>
-                <a:solidFill>
-                  <a:srgbClr val="FFFFFF"/>
-                </a:solidFill>
-              </a:uFill>
-              <a:latin typeface="Arial"/>
-            </a:endParaRPr>
           </a:p>
         </p:txBody>
       </p:sp>
@@ -26616,8 +26821,8 @@
         </p:blipFill>
         <p:spPr>
           <a:xfrm>
-            <a:off x="4743449" y="2249487"/>
-            <a:ext cx="6153151" cy="4243388"/>
+            <a:off x="4848224" y="2249487"/>
+            <a:ext cx="5886451" cy="4059464"/>
           </a:xfrm>
           <a:prstGeom prst="rect">
             <a:avLst/>
@@ -26683,7 +26888,7 @@
                 <a:solidFill>
                   <a:srgbClr val="000000"/>
                 </a:solidFill>
-                <a:latin typeface="Times New Roman" panose="02020603050405020304" pitchFamily="18" charset="0"/>
+                <a:latin typeface="Sans-serif"/>
                 <a:cs typeface="Times New Roman" panose="02020603050405020304" pitchFamily="18" charset="0"/>
               </a:rPr>
               <a:t>Aspectos a resaltar</a:t>
@@ -26692,6 +26897,7 @@
               <a:solidFill>
                 <a:srgbClr val="000000"/>
               </a:solidFill>
+              <a:latin typeface="Sans-serif"/>
             </a:endParaRPr>
           </a:p>
         </p:txBody>
@@ -26716,7 +26922,7 @@
                 <a:solidFill>
                   <a:srgbClr val="000000"/>
                 </a:solidFill>
-                <a:latin typeface="Times New Roman" panose="02020603050405020304" pitchFamily="18" charset="0"/>
+                <a:latin typeface="Sans-serif"/>
                 <a:cs typeface="Times New Roman" panose="02020603050405020304" pitchFamily="18" charset="0"/>
               </a:rPr>
               <a:t>Notificaciones por correo electrónico</a:t>
@@ -26728,22 +26934,94 @@
                 <a:solidFill>
                   <a:srgbClr val="000000"/>
                 </a:solidFill>
-                <a:latin typeface="Times New Roman" panose="02020603050405020304" pitchFamily="18" charset="0"/>
+                <a:latin typeface="Sans-serif"/>
                 <a:cs typeface="Times New Roman" panose="02020603050405020304" pitchFamily="18" charset="0"/>
               </a:rPr>
-              <a:t>Un artista no puede actuar en varios festivales a la vez</a:t>
+              <a:t>Un artista no puede actuar en </a:t>
             </a:r>
           </a:p>
           <a:p>
+            <a:pPr marL="0" indent="0">
+              <a:buNone/>
+            </a:pPr>
             <a:r>
               <a:rPr lang="es-ES" dirty="0" smtClean="0">
                 <a:solidFill>
                   <a:srgbClr val="000000"/>
                 </a:solidFill>
-                <a:latin typeface="Times New Roman" panose="02020603050405020304" pitchFamily="18" charset="0"/>
+                <a:latin typeface="Sans-serif"/>
                 <a:cs typeface="Times New Roman" panose="02020603050405020304" pitchFamily="18" charset="0"/>
               </a:rPr>
-              <a:t>Un usuario no puede editar festivales o artistas </a:t>
+              <a:t>   varios festivales a la vez</a:t>
+            </a:r>
+          </a:p>
+          <a:p>
+            <a:r>
+              <a:rPr lang="es-ES" dirty="0" smtClean="0">
+                <a:solidFill>
+                  <a:srgbClr val="000000"/>
+                </a:solidFill>
+                <a:latin typeface="Sans-serif"/>
+                <a:cs typeface="Times New Roman" panose="02020603050405020304" pitchFamily="18" charset="0"/>
+              </a:rPr>
+              <a:t>Un usuario no puede editar festivales </a:t>
+            </a:r>
+          </a:p>
+          <a:p>
+            <a:pPr marL="0" indent="0">
+              <a:buNone/>
+            </a:pPr>
+            <a:r>
+              <a:rPr lang="es-ES" dirty="0">
+                <a:solidFill>
+                  <a:srgbClr val="000000"/>
+                </a:solidFill>
+                <a:latin typeface="Sans-serif"/>
+                <a:cs typeface="Times New Roman" panose="02020603050405020304" pitchFamily="18" charset="0"/>
+              </a:rPr>
+              <a:t> </a:t>
+            </a:r>
+            <a:r>
+              <a:rPr lang="es-ES" dirty="0" smtClean="0">
+                <a:solidFill>
+                  <a:srgbClr val="000000"/>
+                </a:solidFill>
+                <a:latin typeface="Sans-serif"/>
+                <a:cs typeface="Times New Roman" panose="02020603050405020304" pitchFamily="18" charset="0"/>
+              </a:rPr>
+              <a:t>  o artistas de otros usuarios</a:t>
+            </a:r>
+          </a:p>
+          <a:p>
+            <a:r>
+              <a:rPr lang="es-ES" dirty="0" smtClean="0">
+                <a:solidFill>
+                  <a:srgbClr val="000000"/>
+                </a:solidFill>
+                <a:latin typeface="Sans-serif"/>
+                <a:cs typeface="Times New Roman" panose="02020603050405020304" pitchFamily="18" charset="0"/>
+              </a:rPr>
+              <a:t>Diseño </a:t>
+            </a:r>
+            <a:r>
+              <a:rPr lang="es-ES" dirty="0" err="1" smtClean="0">
+                <a:solidFill>
+                  <a:srgbClr val="000000"/>
+                </a:solidFill>
+                <a:latin typeface="Sans-serif"/>
+                <a:cs typeface="Times New Roman" panose="02020603050405020304" pitchFamily="18" charset="0"/>
+              </a:rPr>
+              <a:t>responsive</a:t>
+            </a:r>
+            <a:r>
+              <a:rPr lang="es-ES" dirty="0" smtClean="0">
+                <a:solidFill>
+                  <a:srgbClr val="000000"/>
+                </a:solidFill>
+                <a:latin typeface="Sans-serif"/>
+                <a:cs typeface="Times New Roman" panose="02020603050405020304" pitchFamily="18" charset="0"/>
+              </a:rPr>
+              <a:t> </a:t>
             </a:r>
             <a:r>
               <a:rPr lang="es-ES" dirty="0" smtClean="0">
@@ -26759,6 +27037,36 @@
           </a:p>
         </p:txBody>
       </p:sp>
+      <p:pic>
+        <p:nvPicPr>
+          <p:cNvPr id="5" name="Imagen 4"/>
+          <p:cNvPicPr>
+            <a:picLocks noChangeAspect="1"/>
+          </p:cNvPicPr>
+          <p:nvPr/>
+        </p:nvPicPr>
+        <p:blipFill>
+          <a:blip r:embed="rId2">
+            <a:extLst>
+              <a:ext uri="{28A0092B-C50C-407E-A947-70E740481C1C}">
+                <a14:useLocalDpi xmlns:a14="http://schemas.microsoft.com/office/drawing/2010/main" val="0"/>
+              </a:ext>
+            </a:extLst>
+          </a:blip>
+          <a:stretch>
+            <a:fillRect/>
+          </a:stretch>
+        </p:blipFill>
+        <p:spPr>
+          <a:xfrm>
+            <a:off x="7777378" y="2097088"/>
+            <a:ext cx="2433422" cy="4307900"/>
+          </a:xfrm>
+          <a:prstGeom prst="rect">
+            <a:avLst/>
+          </a:prstGeom>
+        </p:spPr>
+      </p:pic>
     </p:spTree>
     <p:extLst>
       <p:ext uri="{BB962C8B-B14F-4D97-AF65-F5344CB8AC3E}">
@@ -26813,12 +27121,13 @@
           </a:bodyPr>
           <a:lstStyle/>
           <a:p>
+            <a:pPr algn="ctr"/>
             <a:r>
               <a:rPr lang="es-ES" sz="4800" b="1" dirty="0" smtClean="0">
                 <a:solidFill>
                   <a:srgbClr val="000000"/>
                 </a:solidFill>
-                <a:latin typeface="Times New Roman" panose="02020603050405020304" pitchFamily="18" charset="0"/>
+                <a:latin typeface="Sans-serif"/>
                 <a:cs typeface="Times New Roman" panose="02020603050405020304" pitchFamily="18" charset="0"/>
               </a:rPr>
               <a:t>Conclusiones</a:t>
@@ -26827,62 +27136,65 @@
               <a:solidFill>
                 <a:srgbClr val="000000"/>
               </a:solidFill>
-              <a:latin typeface="Times New Roman" panose="02020603050405020304" pitchFamily="18" charset="0"/>
+              <a:latin typeface="Sans-serif"/>
               <a:cs typeface="Times New Roman" panose="02020603050405020304" pitchFamily="18" charset="0"/>
             </a:endParaRPr>
           </a:p>
         </p:txBody>
       </p:sp>
-      <p:sp>
-        <p:nvSpPr>
-          <p:cNvPr id="3" name="Marcador de contenido 2"/>
-          <p:cNvSpPr>
-            <a:spLocks noGrp="1"/>
-          </p:cNvSpPr>
+      <p:pic>
+        <p:nvPicPr>
+          <p:cNvPr id="7" name="Marcador de contenido 6"/>
+          <p:cNvPicPr>
+            <a:picLocks noGrp="1" noChangeAspect="1"/>
+          </p:cNvPicPr>
           <p:nvPr>
             <p:ph idx="1"/>
           </p:nvPr>
-        </p:nvSpPr>
-        <p:spPr/>
-        <p:txBody>
-          <a:bodyPr>
-            <a:normAutofit/>
-          </a:bodyPr>
-          <a:lstStyle/>
-          <a:p>
-            <a:pPr marL="0" lvl="0" indent="0">
-              <a:buNone/>
-            </a:pPr>
-            <a:r>
-              <a:rPr lang="es-ES" dirty="0">
-                <a:solidFill>
-                  <a:srgbClr val="000000"/>
-                </a:solidFill>
-                <a:latin typeface="Times New Roman" panose="02020603050405020304" pitchFamily="18" charset="0"/>
-                <a:cs typeface="Times New Roman" panose="02020603050405020304" pitchFamily="18" charset="0"/>
-              </a:rPr>
-              <a:t>A</a:t>
-            </a:r>
-            <a:r>
-              <a:rPr lang="es-ES" dirty="0" smtClean="0">
-                <a:solidFill>
-                  <a:srgbClr val="000000"/>
-                </a:solidFill>
-                <a:latin typeface="Times New Roman" panose="02020603050405020304" pitchFamily="18" charset="0"/>
-                <a:cs typeface="Times New Roman" panose="02020603050405020304" pitchFamily="18" charset="0"/>
-              </a:rPr>
-              <a:t>spectos positivos y negativos, problemas encontrados, posibles mejoras.</a:t>
-            </a:r>
-            <a:endParaRPr lang="es-ES" dirty="0">
-              <a:solidFill>
-                <a:srgbClr val="000000"/>
-              </a:solidFill>
-              <a:latin typeface="Times New Roman" panose="02020603050405020304" pitchFamily="18" charset="0"/>
-              <a:cs typeface="Times New Roman" panose="02020603050405020304" pitchFamily="18" charset="0"/>
-            </a:endParaRPr>
-          </a:p>
-        </p:txBody>
-      </p:sp>
+        </p:nvPicPr>
+        <p:blipFill>
+          <a:blip r:embed="rId2" cstate="print">
+            <a:extLst>
+              <a:ext uri="{28A0092B-C50C-407E-A947-70E740481C1C}">
+                <a14:useLocalDpi xmlns:a14="http://schemas.microsoft.com/office/drawing/2010/main" val="0"/>
+              </a:ext>
+            </a:extLst>
+          </a:blip>
+          <a:stretch>
+            <a:fillRect/>
+          </a:stretch>
+        </p:blipFill>
+        <p:spPr>
+          <a:xfrm>
+            <a:off x="6094412" y="2249486"/>
+            <a:ext cx="4065045" cy="3846512"/>
+          </a:xfrm>
+        </p:spPr>
+      </p:pic>
+      <p:pic>
+        <p:nvPicPr>
+          <p:cNvPr id="6" name="Imagen 5"/>
+          <p:cNvPicPr>
+            <a:picLocks noChangeAspect="1"/>
+          </p:cNvPicPr>
+          <p:nvPr/>
+        </p:nvPicPr>
+        <p:blipFill>
+          <a:blip r:embed="rId3"/>
+          <a:stretch>
+            <a:fillRect/>
+          </a:stretch>
+        </p:blipFill>
+        <p:spPr>
+          <a:xfrm>
+            <a:off x="1693862" y="2249485"/>
+            <a:ext cx="3049735" cy="3846513"/>
+          </a:xfrm>
+          <a:prstGeom prst="rect">
+            <a:avLst/>
+          </a:prstGeom>
+        </p:spPr>
+      </p:pic>
     </p:spTree>
     <p:extLst>
       <p:ext uri="{BB962C8B-B14F-4D97-AF65-F5344CB8AC3E}">

--- a/doc/Presentación AWITEN FESTS.pptx
+++ b/doc/Presentación AWITEN FESTS.pptx
@@ -25558,7 +25558,7 @@
               <a:buNone/>
             </a:pPr>
             <a:r>
-              <a:rPr lang="es-ES" sz="3500" b="1" u="sng" dirty="0" smtClean="0">
+              <a:rPr lang="es-ES" sz="3600" b="1" u="sng" dirty="0" smtClean="0">
                 <a:solidFill>
                   <a:srgbClr val="000000"/>
                 </a:solidFill>
@@ -26051,7 +26051,7 @@
         </p:blipFill>
         <p:spPr>
           <a:xfrm>
-            <a:off x="5419724" y="2667002"/>
+            <a:off x="5400674" y="2458244"/>
             <a:ext cx="5781675" cy="3124199"/>
           </a:xfrm>
           <a:prstGeom prst="rect">
@@ -26821,8 +26821,8 @@
         </p:blipFill>
         <p:spPr>
           <a:xfrm>
-            <a:off x="4848224" y="2249487"/>
-            <a:ext cx="5886451" cy="4059464"/>
+            <a:off x="5210174" y="2249487"/>
+            <a:ext cx="5676901" cy="3914952"/>
           </a:xfrm>
           <a:prstGeom prst="rect">
             <a:avLst/>
@@ -26914,11 +26914,13 @@
         </p:nvSpPr>
         <p:spPr/>
         <p:txBody>
-          <a:bodyPr/>
+          <a:bodyPr>
+            <a:noAutofit/>
+          </a:bodyPr>
           <a:lstStyle/>
           <a:p>
             <a:r>
-              <a:rPr lang="es-ES" dirty="0" smtClean="0">
+              <a:rPr lang="es-ES" sz="2200" dirty="0" smtClean="0">
                 <a:solidFill>
                   <a:srgbClr val="000000"/>
                 </a:solidFill>
@@ -26930,7 +26932,7 @@
           </a:p>
           <a:p>
             <a:r>
-              <a:rPr lang="es-ES" dirty="0" smtClean="0">
+              <a:rPr lang="es-ES" sz="2200" dirty="0" smtClean="0">
                 <a:solidFill>
                   <a:srgbClr val="000000"/>
                 </a:solidFill>
@@ -26945,7 +26947,7 @@
               <a:buNone/>
             </a:pPr>
             <a:r>
-              <a:rPr lang="es-ES" dirty="0" smtClean="0">
+              <a:rPr lang="es-ES" sz="2200" dirty="0" smtClean="0">
                 <a:solidFill>
                   <a:srgbClr val="000000"/>
                 </a:solidFill>
@@ -26957,7 +26959,7 @@
           </a:p>
           <a:p>
             <a:r>
-              <a:rPr lang="es-ES" dirty="0" smtClean="0">
+              <a:rPr lang="es-ES" sz="2200" dirty="0" smtClean="0">
                 <a:solidFill>
                   <a:srgbClr val="000000"/>
                 </a:solidFill>
@@ -26972,7 +26974,7 @@
               <a:buNone/>
             </a:pPr>
             <a:r>
-              <a:rPr lang="es-ES" dirty="0">
+              <a:rPr lang="es-ES" sz="2200" dirty="0">
                 <a:solidFill>
                   <a:srgbClr val="000000"/>
                 </a:solidFill>
@@ -26982,7 +26984,7 @@
               <a:t> </a:t>
             </a:r>
             <a:r>
-              <a:rPr lang="es-ES" dirty="0" smtClean="0">
+              <a:rPr lang="es-ES" sz="2200" dirty="0" smtClean="0">
                 <a:solidFill>
                   <a:srgbClr val="000000"/>
                 </a:solidFill>
@@ -26994,7 +26996,7 @@
           </a:p>
           <a:p>
             <a:r>
-              <a:rPr lang="es-ES" dirty="0" smtClean="0">
+              <a:rPr lang="es-ES" sz="2200" dirty="0" smtClean="0">
                 <a:solidFill>
                   <a:srgbClr val="000000"/>
                 </a:solidFill>
@@ -27004,7 +27006,7 @@
               <a:t>Diseño </a:t>
             </a:r>
             <a:r>
-              <a:rPr lang="es-ES" dirty="0" err="1" smtClean="0">
+              <a:rPr lang="es-ES" sz="2200" dirty="0" err="1" smtClean="0">
                 <a:solidFill>
                   <a:srgbClr val="000000"/>
                 </a:solidFill>
@@ -27013,33 +27015,31 @@
               </a:rPr>
               <a:t>responsive</a:t>
             </a:r>
+            <a:endParaRPr lang="es-ES" sz="2200" dirty="0" smtClean="0">
+              <a:solidFill>
+                <a:srgbClr val="000000"/>
+              </a:solidFill>
+              <a:latin typeface="Sans-serif"/>
+              <a:cs typeface="Times New Roman" panose="02020603050405020304" pitchFamily="18" charset="0"/>
+            </a:endParaRPr>
+          </a:p>
+          <a:p>
             <a:r>
-              <a:rPr lang="es-ES" dirty="0" smtClean="0">
+              <a:rPr lang="es-ES" sz="2200" dirty="0" smtClean="0">
                 <a:solidFill>
                   <a:srgbClr val="000000"/>
                 </a:solidFill>
                 <a:latin typeface="Sans-serif"/>
                 <a:cs typeface="Times New Roman" panose="02020603050405020304" pitchFamily="18" charset="0"/>
               </a:rPr>
-              <a:t> </a:t>
+              <a:t>Generación automática de noticias</a:t>
             </a:r>
-            <a:r>
-              <a:rPr lang="es-ES" dirty="0" smtClean="0">
-                <a:latin typeface="Times New Roman" panose="02020603050405020304" pitchFamily="18" charset="0"/>
-                <a:cs typeface="Times New Roman" panose="02020603050405020304" pitchFamily="18" charset="0"/>
-              </a:rPr>
-              <a:t>de otros usuarios</a:t>
-            </a:r>
-            <a:endParaRPr lang="es-ES" dirty="0">
-              <a:latin typeface="Times New Roman" panose="02020603050405020304" pitchFamily="18" charset="0"/>
-              <a:cs typeface="Times New Roman" panose="02020603050405020304" pitchFamily="18" charset="0"/>
-            </a:endParaRPr>
           </a:p>
         </p:txBody>
       </p:sp>
       <p:pic>
         <p:nvPicPr>
-          <p:cNvPr id="5" name="Imagen 4"/>
+          <p:cNvPr id="7" name="Imagen 6"/>
           <p:cNvPicPr>
             <a:picLocks noChangeAspect="1"/>
           </p:cNvPicPr>
@@ -27059,8 +27059,8 @@
         </p:blipFill>
         <p:spPr>
           <a:xfrm>
-            <a:off x="7777378" y="2097088"/>
-            <a:ext cx="2433422" cy="4307900"/>
+            <a:off x="7691651" y="2000250"/>
+            <a:ext cx="2585823" cy="4381300"/>
           </a:xfrm>
           <a:prstGeom prst="rect">
             <a:avLst/>

--- a/doc/Presentación AWITEN FESTS.pptx
+++ b/doc/Presentación AWITEN FESTS.pptx
@@ -26031,7 +26031,7 @@
       </p:sp>
       <p:pic>
         <p:nvPicPr>
-          <p:cNvPr id="5" name="Imagen 4"/>
+          <p:cNvPr id="6" name="Imagen 5"/>
           <p:cNvPicPr>
             <a:picLocks noChangeAspect="1"/>
           </p:cNvPicPr>
@@ -26051,8 +26051,8 @@
         </p:blipFill>
         <p:spPr>
           <a:xfrm>
-            <a:off x="5400674" y="2458244"/>
-            <a:ext cx="5781675" cy="3124199"/>
+            <a:off x="5395912" y="2373311"/>
+            <a:ext cx="5409483" cy="2970214"/>
           </a:xfrm>
           <a:prstGeom prst="rect">
             <a:avLst/>
